--- a/class_2_1/class_2_1.pptx
+++ b/class_2_1/class_2_1.pptx
@@ -216,7 +216,7 @@
           <a:p>
             <a:fld id="{8E5940E0-E864-DF4A-BD26-2C2246AC4E05}" type="datetimeFigureOut">
               <a:rPr lang="en-US" smtClean="0"/>
-              <a:t>6/7/20</a:t>
+              <a:t>6/8/20</a:t>
             </a:fld>
             <a:endParaRPr lang="en-US"/>
           </a:p>
@@ -714,7 +714,7 @@
           <a:p>
             <a:fld id="{B4805629-43F6-3C4F-A3A1-18FEAB524198}" type="datetimeFigureOut">
               <a:rPr lang="en-US" smtClean="0"/>
-              <a:t>6/7/20</a:t>
+              <a:t>6/8/20</a:t>
             </a:fld>
             <a:endParaRPr lang="en-US"/>
           </a:p>
@@ -912,7 +912,7 @@
           <a:p>
             <a:fld id="{B4805629-43F6-3C4F-A3A1-18FEAB524198}" type="datetimeFigureOut">
               <a:rPr lang="en-US" smtClean="0"/>
-              <a:t>6/7/20</a:t>
+              <a:t>6/8/20</a:t>
             </a:fld>
             <a:endParaRPr lang="en-US"/>
           </a:p>
@@ -1120,7 +1120,7 @@
           <a:p>
             <a:fld id="{B4805629-43F6-3C4F-A3A1-18FEAB524198}" type="datetimeFigureOut">
               <a:rPr lang="en-US" smtClean="0"/>
-              <a:t>6/7/20</a:t>
+              <a:t>6/8/20</a:t>
             </a:fld>
             <a:endParaRPr lang="en-US"/>
           </a:p>
@@ -1318,7 +1318,7 @@
           <a:p>
             <a:fld id="{B4805629-43F6-3C4F-A3A1-18FEAB524198}" type="datetimeFigureOut">
               <a:rPr lang="en-US" smtClean="0"/>
-              <a:t>6/7/20</a:t>
+              <a:t>6/8/20</a:t>
             </a:fld>
             <a:endParaRPr lang="en-US"/>
           </a:p>
@@ -1593,7 +1593,7 @@
           <a:p>
             <a:fld id="{B4805629-43F6-3C4F-A3A1-18FEAB524198}" type="datetimeFigureOut">
               <a:rPr lang="en-US" smtClean="0"/>
-              <a:t>6/7/20</a:t>
+              <a:t>6/8/20</a:t>
             </a:fld>
             <a:endParaRPr lang="en-US"/>
           </a:p>
@@ -1858,7 +1858,7 @@
           <a:p>
             <a:fld id="{B4805629-43F6-3C4F-A3A1-18FEAB524198}" type="datetimeFigureOut">
               <a:rPr lang="en-US" smtClean="0"/>
-              <a:t>6/7/20</a:t>
+              <a:t>6/8/20</a:t>
             </a:fld>
             <a:endParaRPr lang="en-US"/>
           </a:p>
@@ -2270,7 +2270,7 @@
           <a:p>
             <a:fld id="{B4805629-43F6-3C4F-A3A1-18FEAB524198}" type="datetimeFigureOut">
               <a:rPr lang="en-US" smtClean="0"/>
-              <a:t>6/7/20</a:t>
+              <a:t>6/8/20</a:t>
             </a:fld>
             <a:endParaRPr lang="en-US"/>
           </a:p>
@@ -2411,7 +2411,7 @@
           <a:p>
             <a:fld id="{B4805629-43F6-3C4F-A3A1-18FEAB524198}" type="datetimeFigureOut">
               <a:rPr lang="en-US" smtClean="0"/>
-              <a:t>6/7/20</a:t>
+              <a:t>6/8/20</a:t>
             </a:fld>
             <a:endParaRPr lang="en-US"/>
           </a:p>
@@ -2524,7 +2524,7 @@
           <a:p>
             <a:fld id="{B4805629-43F6-3C4F-A3A1-18FEAB524198}" type="datetimeFigureOut">
               <a:rPr lang="en-US" smtClean="0"/>
-              <a:t>6/7/20</a:t>
+              <a:t>6/8/20</a:t>
             </a:fld>
             <a:endParaRPr lang="en-US"/>
           </a:p>
@@ -2835,7 +2835,7 @@
           <a:p>
             <a:fld id="{B4805629-43F6-3C4F-A3A1-18FEAB524198}" type="datetimeFigureOut">
               <a:rPr lang="en-US" smtClean="0"/>
-              <a:t>6/7/20</a:t>
+              <a:t>6/8/20</a:t>
             </a:fld>
             <a:endParaRPr lang="en-US"/>
           </a:p>
@@ -3123,7 +3123,7 @@
           <a:p>
             <a:fld id="{B4805629-43F6-3C4F-A3A1-18FEAB524198}" type="datetimeFigureOut">
               <a:rPr lang="en-US" smtClean="0"/>
-              <a:t>6/7/20</a:t>
+              <a:t>6/8/20</a:t>
             </a:fld>
             <a:endParaRPr lang="en-US"/>
           </a:p>
@@ -3364,7 +3364,7 @@
           <a:p>
             <a:fld id="{B4805629-43F6-3C4F-A3A1-18FEAB524198}" type="datetimeFigureOut">
               <a:rPr lang="en-US" smtClean="0"/>
-              <a:t>6/7/20</a:t>
+              <a:t>6/8/20</a:t>
             </a:fld>
             <a:endParaRPr lang="en-US"/>
           </a:p>
@@ -9848,7 +9848,9 @@
         </p:nvSpPr>
         <p:spPr/>
         <p:txBody>
-          <a:bodyPr/>
+          <a:bodyPr>
+            <a:normAutofit fontScale="92500" lnSpcReduction="20000"/>
+          </a:bodyPr>
           <a:lstStyle/>
           <a:p>
             <a:r>
@@ -9884,6 +9886,15 @@
             <a:r>
               <a:rPr lang="en-US" dirty="0"/>
               <a:t>Delete the copied file (but do not remove the original downloads)</a:t>
+            </a:r>
+          </a:p>
+          <a:p>
+            <a:endParaRPr lang="en-US" dirty="0"/>
+          </a:p>
+          <a:p>
+            <a:r>
+              <a:rPr lang="en-US" dirty="0"/>
+              <a:t>To a new directory in your home folder on CHPC, download the GTF and genome FASTA files for the organism used in your downloaded RNA-seq dataset</a:t>
             </a:r>
           </a:p>
         </p:txBody>
@@ -11264,6 +11275,60 @@
               <a:rPr lang="en-US" sz="2800" dirty="0"/>
               <a:t>”, then Enter </a:t>
             </a:r>
+          </a:p>
+        </p:txBody>
+      </p:sp>
+      <p:sp>
+        <p:nvSpPr>
+          <p:cNvPr id="3" name="Rectangle 2">
+            <a:extLst>
+              <a:ext uri="{FF2B5EF4-FFF2-40B4-BE49-F238E27FC236}">
+                <a16:creationId xmlns:a16="http://schemas.microsoft.com/office/drawing/2014/main" id="{759DAA87-1778-C944-8738-F2B26ABBF52F}"/>
+              </a:ext>
+            </a:extLst>
+          </p:cNvPr>
+          <p:cNvSpPr/>
+          <p:nvPr/>
+        </p:nvSpPr>
+        <p:spPr>
+          <a:xfrm>
+            <a:off x="6442841" y="4393324"/>
+            <a:ext cx="420414" cy="283779"/>
+          </a:xfrm>
+          <a:prstGeom prst="rect">
+            <a:avLst/>
+          </a:prstGeom>
+          <a:solidFill>
+            <a:schemeClr val="bg2">
+              <a:lumMod val="10000"/>
+            </a:schemeClr>
+          </a:solidFill>
+          <a:ln>
+            <a:noFill/>
+          </a:ln>
+        </p:spPr>
+        <p:style>
+          <a:lnRef idx="2">
+            <a:schemeClr val="accent1">
+              <a:shade val="50000"/>
+            </a:schemeClr>
+          </a:lnRef>
+          <a:fillRef idx="1">
+            <a:schemeClr val="accent1"/>
+          </a:fillRef>
+          <a:effectRef idx="0">
+            <a:schemeClr val="accent1"/>
+          </a:effectRef>
+          <a:fontRef idx="minor">
+            <a:schemeClr val="lt1"/>
+          </a:fontRef>
+        </p:style>
+        <p:txBody>
+          <a:bodyPr rtlCol="0" anchor="ctr"/>
+          <a:lstStyle/>
+          <a:p>
+            <a:pPr algn="ctr"/>
+            <a:endParaRPr lang="en-US"/>
           </a:p>
         </p:txBody>
       </p:sp>
